--- a/Azure-AKS-Kubernetes-Masterclass-V16.pptx
+++ b/Azure-AKS-Kubernetes-Masterclass-V16.pptx
@@ -636,7 +636,7 @@
           <a:p>
             <a:fld id="{70392B7C-7B94-48F3-AD53-1D9389467956}" type="datetimeFigureOut">
               <a:rPr lang="en-US" smtClean="0"/>
-              <a:t>2/8/2024</a:t>
+              <a:t>2/9/2024</a:t>
             </a:fld>
             <a:endParaRPr lang="en-US"/>
           </a:p>
@@ -968,6 +968,90 @@
           <a:p>
             <a:fld id="{7AD8FE51-5DD6-4BF3-9495-81C4A5D2F89C}" type="slidenum">
               <a:rPr lang="en-US" smtClean="0"/>
+              <a:t>1</a:t>
+            </a:fld>
+            <a:endParaRPr lang="en-US"/>
+          </a:p>
+        </p:txBody>
+      </p:sp>
+    </p:spTree>
+    <p:extLst>
+      <p:ext uri="{BB962C8B-B14F-4D97-AF65-F5344CB8AC3E}">
+        <p14:creationId xmlns:p14="http://schemas.microsoft.com/office/powerpoint/2010/main" val="2221998585"/>
+      </p:ext>
+    </p:extLst>
+  </p:cSld>
+  <p:clrMapOvr>
+    <a:masterClrMapping/>
+  </p:clrMapOvr>
+</p:notes>
+</file>
+
+<file path=ppt/notesSlides/notesSlide2.xml><?xml version="1.0" encoding="utf-8"?>
+<p:notes xmlns:a="http://schemas.openxmlformats.org/drawingml/2006/main" xmlns:r="http://schemas.openxmlformats.org/officeDocument/2006/relationships" xmlns:p="http://schemas.openxmlformats.org/presentationml/2006/main">
+  <p:cSld>
+    <p:spTree>
+      <p:nvGrpSpPr>
+        <p:cNvPr id="1" name=""/>
+        <p:cNvGrpSpPr/>
+        <p:nvPr/>
+      </p:nvGrpSpPr>
+      <p:grpSpPr>
+        <a:xfrm>
+          <a:off x="0" y="0"/>
+          <a:ext cx="0" cy="0"/>
+          <a:chOff x="0" y="0"/>
+          <a:chExt cx="0" cy="0"/>
+        </a:xfrm>
+      </p:grpSpPr>
+      <p:sp>
+        <p:nvSpPr>
+          <p:cNvPr id="2" name="Slide Image Placeholder 1"/>
+          <p:cNvSpPr>
+            <a:spLocks noGrp="1" noRot="1" noChangeAspect="1"/>
+          </p:cNvSpPr>
+          <p:nvPr>
+            <p:ph type="sldImg"/>
+          </p:nvPr>
+        </p:nvSpPr>
+        <p:spPr/>
+      </p:sp>
+      <p:sp>
+        <p:nvSpPr>
+          <p:cNvPr id="3" name="Notes Placeholder 2"/>
+          <p:cNvSpPr>
+            <a:spLocks noGrp="1"/>
+          </p:cNvSpPr>
+          <p:nvPr>
+            <p:ph type="body" idx="1"/>
+          </p:nvPr>
+        </p:nvSpPr>
+        <p:spPr/>
+        <p:txBody>
+          <a:bodyPr/>
+          <a:lstStyle/>
+          <a:p>
+            <a:endParaRPr lang="en-US" dirty="0"/>
+          </a:p>
+        </p:txBody>
+      </p:sp>
+      <p:sp>
+        <p:nvSpPr>
+          <p:cNvPr id="4" name="Slide Number Placeholder 3"/>
+          <p:cNvSpPr>
+            <a:spLocks noGrp="1"/>
+          </p:cNvSpPr>
+          <p:nvPr>
+            <p:ph type="sldNum" sz="quarter" idx="5"/>
+          </p:nvPr>
+        </p:nvSpPr>
+        <p:spPr/>
+        <p:txBody>
+          <a:bodyPr/>
+          <a:lstStyle/>
+          <a:p>
+            <a:fld id="{7AD8FE51-5DD6-4BF3-9495-81C4A5D2F89C}" type="slidenum">
+              <a:rPr lang="en-US" smtClean="0"/>
               <a:t>4</a:t>
             </a:fld>
             <a:endParaRPr lang="en-US"/>
@@ -1118,7 +1202,7 @@
           <a:p>
             <a:fld id="{C764DE79-268F-4C1A-8933-263129D2AF90}" type="datetimeFigureOut">
               <a:rPr lang="en-US" dirty="0"/>
-              <a:t>2/8/2024</a:t>
+              <a:t>2/9/2024</a:t>
             </a:fld>
             <a:endParaRPr lang="en-US" dirty="0"/>
           </a:p>
@@ -1342,7 +1426,7 @@
           <a:p>
             <a:fld id="{C764DE79-268F-4C1A-8933-263129D2AF90}" type="datetimeFigureOut">
               <a:rPr lang="en-US" dirty="0"/>
-              <a:t>2/8/2024</a:t>
+              <a:t>2/9/2024</a:t>
             </a:fld>
             <a:endParaRPr lang="en-US" dirty="0"/>
           </a:p>
@@ -1528,7 +1612,7 @@
           <a:p>
             <a:fld id="{C764DE79-268F-4C1A-8933-263129D2AF90}" type="datetimeFigureOut">
               <a:rPr lang="en-US" dirty="0"/>
-              <a:t>2/8/2024</a:t>
+              <a:t>2/9/2024</a:t>
             </a:fld>
             <a:endParaRPr lang="en-US" dirty="0"/>
           </a:p>
@@ -2188,7 +2272,7 @@
           <a:p>
             <a:fld id="{C764DE79-268F-4C1A-8933-263129D2AF90}" type="datetimeFigureOut">
               <a:rPr lang="en-US" dirty="0"/>
-              <a:t>2/8/2024</a:t>
+              <a:t>2/9/2024</a:t>
             </a:fld>
             <a:endParaRPr lang="en-US" dirty="0"/>
           </a:p>
@@ -2439,7 +2523,7 @@
           <a:p>
             <a:fld id="{C764DE79-268F-4C1A-8933-263129D2AF90}" type="datetimeFigureOut">
               <a:rPr lang="en-US" dirty="0"/>
-              <a:t>2/8/2024</a:t>
+              <a:t>2/9/2024</a:t>
             </a:fld>
             <a:endParaRPr lang="en-US" dirty="0"/>
           </a:p>
@@ -2671,7 +2755,7 @@
           <a:p>
             <a:fld id="{C764DE79-268F-4C1A-8933-263129D2AF90}" type="datetimeFigureOut">
               <a:rPr lang="en-US" dirty="0"/>
-              <a:t>2/8/2024</a:t>
+              <a:t>2/9/2024</a:t>
             </a:fld>
             <a:endParaRPr lang="en-US" dirty="0"/>
           </a:p>
@@ -3038,7 +3122,7 @@
           <a:p>
             <a:fld id="{C764DE79-268F-4C1A-8933-263129D2AF90}" type="datetimeFigureOut">
               <a:rPr lang="en-US" dirty="0"/>
-              <a:t>2/8/2024</a:t>
+              <a:t>2/9/2024</a:t>
             </a:fld>
             <a:endParaRPr lang="en-US" dirty="0"/>
           </a:p>
@@ -3156,7 +3240,7 @@
           <a:p>
             <a:fld id="{C764DE79-268F-4C1A-8933-263129D2AF90}" type="datetimeFigureOut">
               <a:rPr lang="en-US" dirty="0"/>
-              <a:t>2/8/2024</a:t>
+              <a:t>2/9/2024</a:t>
             </a:fld>
             <a:endParaRPr lang="en-US" dirty="0"/>
           </a:p>
@@ -3251,7 +3335,7 @@
           <a:p>
             <a:fld id="{C764DE79-268F-4C1A-8933-263129D2AF90}" type="datetimeFigureOut">
               <a:rPr lang="en-US" dirty="0"/>
-              <a:t>2/8/2024</a:t>
+              <a:t>2/9/2024</a:t>
             </a:fld>
             <a:endParaRPr lang="en-US" dirty="0"/>
           </a:p>
@@ -3528,7 +3612,7 @@
           <a:p>
             <a:fld id="{C764DE79-268F-4C1A-8933-263129D2AF90}" type="datetimeFigureOut">
               <a:rPr lang="en-US" dirty="0"/>
-              <a:t>2/8/2024</a:t>
+              <a:t>2/9/2024</a:t>
             </a:fld>
             <a:endParaRPr lang="en-US" dirty="0"/>
           </a:p>
@@ -3998,7 +4082,7 @@
           <a:p>
             <a:fld id="{C764DE79-268F-4C1A-8933-263129D2AF90}" type="datetimeFigureOut">
               <a:rPr lang="en-US" dirty="0"/>
-              <a:t>2/8/2024</a:t>
+              <a:t>2/9/2024</a:t>
             </a:fld>
             <a:endParaRPr lang="en-US" dirty="0"/>
           </a:p>
@@ -4812,7 +4896,7 @@
         <p:spPr>
           <a:xfrm>
             <a:off x="1664238" y="982780"/>
-            <a:ext cx="7915494" cy="3922224"/>
+            <a:ext cx="9067262" cy="3922224"/>
           </a:xfrm>
         </p:spPr>
         <p:txBody>
@@ -4823,12 +4907,12 @@
           <a:p>
             <a:pPr algn="r"/>
             <a:r>
-              <a:rPr lang="en-US" sz="5800">
+              <a:rPr lang="en-US" sz="5800" dirty="0">
                 <a:solidFill>
                   <a:srgbClr val="FFFFFF"/>
                 </a:solidFill>
               </a:rPr>
-              <a:t>Azure AKS Kubernetes </a:t>
+              <a:t>Azure AKS Kubernetes (Helm)</a:t>
             </a:r>
           </a:p>
         </p:txBody>
@@ -9368,7 +9452,7 @@
               <a:buChar char="•"/>
             </a:pPr>
             <a:r>
-              <a:rPr lang="en-US" sz="2400"/>
+              <a:rPr lang="en-US" sz="2400" dirty="0"/>
               <a:t>Container ≠ VM</a:t>
             </a:r>
           </a:p>
@@ -9384,7 +9468,7 @@
               <a:buChar char="•"/>
             </a:pPr>
             <a:r>
-              <a:rPr lang="en-US" sz="2400"/>
+              <a:rPr lang="en-US" sz="2400" dirty="0"/>
               <a:t>Isolated</a:t>
             </a:r>
           </a:p>
@@ -9400,7 +9484,7 @@
               <a:buChar char="•"/>
             </a:pPr>
             <a:r>
-              <a:rPr lang="en-US" sz="2400"/>
+              <a:rPr lang="en-US" sz="2400" dirty="0"/>
               <a:t>Share OS</a:t>
             </a:r>
           </a:p>
@@ -9416,7 +9500,7 @@
               <a:buChar char="•"/>
             </a:pPr>
             <a:r>
-              <a:rPr lang="en-US" sz="2400"/>
+              <a:rPr lang="en-US" sz="2400" dirty="0"/>
               <a:t>and sometimes bins/libs</a:t>
             </a:r>
           </a:p>
@@ -9431,7 +9515,7 @@
               <a:buFont typeface="Arial" panose="020B0604020202020204" pitchFamily="34" charset="0"/>
               <a:buChar char="•"/>
             </a:pPr>
-            <a:endParaRPr lang="en-US" sz="2400"/>
+            <a:endParaRPr lang="en-US" sz="2400" dirty="0"/>
           </a:p>
         </p:txBody>
       </p:sp>
@@ -11143,10 +11227,7 @@
               </a:rPr>
               <a:t>Dockerfile</a:t>
             </a:r>
-            <a:r>
-              <a:rPr lang="en-US" sz="3840" dirty="0"/>
-              <a:t> </a:t>
-            </a:r>
+            <a:endParaRPr lang="en-US" sz="3840" dirty="0"/>
           </a:p>
         </p:txBody>
       </p:sp>
@@ -11160,7 +11241,7 @@
         </p:nvSpPr>
         <p:spPr bwMode="auto">
           <a:xfrm>
-            <a:off x="3740728" y="4082513"/>
+            <a:off x="3956628" y="3917413"/>
             <a:ext cx="7148944" cy="3202672"/>
           </a:xfrm>
           <a:prstGeom prst="rect">
@@ -11245,29 +11326,7 @@
                 </a:solidFill>
                 <a:latin typeface="Consolas" panose="020B0609020204030204" pitchFamily="49" charset="0"/>
               </a:rPr>
-              <a:t> yum install -y python-</a:t>
-            </a:r>
-            <a:r>
-              <a:rPr lang="en-US" altLang="en-US" sz="1920" dirty="0" err="1">
-                <a:solidFill>
-                  <a:schemeClr val="bg1">
-                    <a:lumMod val="85000"/>
-                  </a:schemeClr>
-                </a:solidFill>
-                <a:latin typeface="Consolas" panose="020B0609020204030204" pitchFamily="49" charset="0"/>
-              </a:rPr>
-              <a:t>devel</a:t>
-            </a:r>
-            <a:r>
-              <a:rPr lang="en-US" altLang="en-US" sz="1920" dirty="0">
-                <a:solidFill>
-                  <a:schemeClr val="bg1">
-                    <a:lumMod val="85000"/>
-                  </a:schemeClr>
-                </a:solidFill>
-                <a:latin typeface="Consolas" panose="020B0609020204030204" pitchFamily="49" charset="0"/>
-              </a:rPr>
-              <a:t> python-</a:t>
+              <a:t> yum install -y python-devel python-</a:t>
             </a:r>
             <a:r>
               <a:rPr lang="en-US" altLang="en-US" sz="1920" dirty="0" err="1">
@@ -19893,18 +19952,18 @@
 </file>
 
 <file path=customXml/item1.xml><?xml version="1.0" encoding="utf-8"?>
-<p:properties xmlns:p="http://schemas.microsoft.com/office/2006/metadata/properties" xmlns:xsi="http://www.w3.org/2001/XMLSchema-instance" xmlns:pc="http://schemas.microsoft.com/office/infopath/2007/PartnerControls">
-  <documentManagement/>
-</p:properties>
-</file>
-
-<file path=customXml/item2.xml><?xml version="1.0" encoding="utf-8"?>
 <?mso-contentType ?>
 <FormTemplates xmlns="http://schemas.microsoft.com/sharepoint/v3/contenttype/forms">
   <Display>DocumentLibraryForm</Display>
   <Edit>DocumentLibraryForm</Edit>
   <New>DocumentLibraryForm</New>
 </FormTemplates>
+</file>
+
+<file path=customXml/item2.xml><?xml version="1.0" encoding="utf-8"?>
+<p:properties xmlns:p="http://schemas.microsoft.com/office/2006/metadata/properties" xmlns:xsi="http://www.w3.org/2001/XMLSchema-instance" xmlns:pc="http://schemas.microsoft.com/office/infopath/2007/PartnerControls">
+  <documentManagement/>
+</p:properties>
 </file>
 
 <file path=customXml/item3.xml><?xml version="1.0" encoding="utf-8"?>
@@ -20113,6 +20172,14 @@
 </file>
 
 <file path=customXml/itemProps1.xml><?xml version="1.0" encoding="utf-8"?>
+<ds:datastoreItem xmlns:ds="http://schemas.openxmlformats.org/officeDocument/2006/customXml" ds:itemID="{92F2D375-1062-4EE6-861C-05377A63E419}">
+  <ds:schemaRefs>
+    <ds:schemaRef ds:uri="http://schemas.microsoft.com/sharepoint/v3/contenttype/forms"/>
+  </ds:schemaRefs>
+</ds:datastoreItem>
+</file>
+
+<file path=customXml/itemProps2.xml><?xml version="1.0" encoding="utf-8"?>
 <ds:datastoreItem xmlns:ds="http://schemas.openxmlformats.org/officeDocument/2006/customXml" ds:itemID="{8CEC2339-1C1C-416D-9A21-94E8CFA5CBF4}">
   <ds:schemaRefs>
     <ds:schemaRef ds:uri="http://schemas.microsoft.com/office/2006/metadata/properties"/>
@@ -20125,14 +20192,6 @@
     <ds:schemaRef ds:uri="http://schemas.openxmlformats.org/package/2006/metadata/core-properties"/>
     <ds:schemaRef ds:uri="1715a332-6e4d-4cad-94c4-6bada4eb9966"/>
     <ds:schemaRef ds:uri="http://www.w3.org/XML/1998/namespace"/>
-  </ds:schemaRefs>
-</ds:datastoreItem>
-</file>
-
-<file path=customXml/itemProps2.xml><?xml version="1.0" encoding="utf-8"?>
-<ds:datastoreItem xmlns:ds="http://schemas.openxmlformats.org/officeDocument/2006/customXml" ds:itemID="{92F2D375-1062-4EE6-861C-05377A63E419}">
-  <ds:schemaRefs>
-    <ds:schemaRef ds:uri="http://schemas.microsoft.com/sharepoint/v3/contenttype/forms"/>
   </ds:schemaRefs>
 </ds:datastoreItem>
 </file>
